--- a/docs/OpenSUSI-MPW.pptx
+++ b/docs/OpenSUSI-MPW.pptx
@@ -6,6 +6,7 @@
   </p:sldMasterIdLst>
   <p:sldIdLst>
     <p:sldId id="257" r:id="rId2"/>
+    <p:sldId id="258" r:id="rId3"/>
   </p:sldIdLst>
   <p:sldSz cx="12192000" cy="6858000"/>
   <p:notesSz cx="6858000" cy="9144000"/>
@@ -104,6 +105,11 @@
       </a:defRPr>
     </a:lvl9pPr>
   </p:defaultTextStyle>
+  <p:extLst>
+    <p:ext uri="{EFAFB233-063F-42B5-8137-9DF3F51BA10A}">
+      <p15:sldGuideLst xmlns:p15="http://schemas.microsoft.com/office/powerpoint/2012/main"/>
+    </p:ext>
+  </p:extLst>
 </p:presentation>
 </file>
 
@@ -3978,6 +3984,418 @@
 </p:sld>
 </file>
 
+<file path=ppt/slides/slide2.xml><?xml version="1.0" encoding="utf-8"?>
+<p:sld xmlns:a="http://schemas.openxmlformats.org/drawingml/2006/main" xmlns:r="http://schemas.openxmlformats.org/officeDocument/2006/relationships" xmlns:p="http://schemas.openxmlformats.org/presentationml/2006/main">
+  <p:cSld>
+    <p:spTree>
+      <p:nvGrpSpPr>
+        <p:cNvPr id="1" name="">
+          <a:extLst>
+            <a:ext uri="{FF2B5EF4-FFF2-40B4-BE49-F238E27FC236}">
+              <a16:creationId xmlns:a16="http://schemas.microsoft.com/office/drawing/2014/main" id="{7FC0794B-816A-E75F-2777-5C6DEA5A7027}"/>
+            </a:ext>
+          </a:extLst>
+        </p:cNvPr>
+        <p:cNvGrpSpPr/>
+        <p:nvPr/>
+      </p:nvGrpSpPr>
+      <p:grpSpPr>
+        <a:xfrm>
+          <a:off x="0" y="0"/>
+          <a:ext cx="0" cy="0"/>
+          <a:chOff x="0" y="0"/>
+          <a:chExt cx="0" cy="0"/>
+        </a:xfrm>
+      </p:grpSpPr>
+      <p:pic>
+        <p:nvPicPr>
+          <p:cNvPr id="2" name="Picture 1" descr="A computer screen shot of a computer program&#10;&#10;AI-generated content may be incorrect.">
+            <a:extLst>
+              <a:ext uri="{FF2B5EF4-FFF2-40B4-BE49-F238E27FC236}">
+                <a16:creationId xmlns:a16="http://schemas.microsoft.com/office/drawing/2014/main" id="{35377160-CF08-F0A9-7CE9-CF012044A1C1}"/>
+              </a:ext>
+            </a:extLst>
+          </p:cNvPr>
+          <p:cNvPicPr>
+            <a:picLocks noChangeAspect="1"/>
+          </p:cNvPicPr>
+          <p:nvPr/>
+        </p:nvPicPr>
+        <p:blipFill>
+          <a:blip r:embed="rId2">
+            <a:extLst>
+              <a:ext uri="{28A0092B-C50C-407E-A947-70E740481C1C}">
+                <a14:useLocalDpi xmlns:a14="http://schemas.microsoft.com/office/drawing/2010/main" val="0"/>
+              </a:ext>
+            </a:extLst>
+          </a:blip>
+          <a:stretch>
+            <a:fillRect/>
+          </a:stretch>
+        </p:blipFill>
+        <p:spPr>
+          <a:xfrm>
+            <a:off x="1114989" y="230340"/>
+            <a:ext cx="9962022" cy="6840000"/>
+          </a:xfrm>
+          <a:prstGeom prst="rect">
+            <a:avLst/>
+          </a:prstGeom>
+        </p:spPr>
+      </p:pic>
+      <p:sp>
+        <p:nvSpPr>
+          <p:cNvPr id="3" name="TextBox 2">
+            <a:extLst>
+              <a:ext uri="{FF2B5EF4-FFF2-40B4-BE49-F238E27FC236}">
+                <a16:creationId xmlns:a16="http://schemas.microsoft.com/office/drawing/2014/main" id="{1C97EFBE-4841-8607-1CD2-C6E8BA51CF8B}"/>
+              </a:ext>
+            </a:extLst>
+          </p:cNvPr>
+          <p:cNvSpPr txBox="1"/>
+          <p:nvPr/>
+        </p:nvSpPr>
+        <p:spPr>
+          <a:xfrm>
+            <a:off x="1821201" y="5805000"/>
+            <a:ext cx="1959428" cy="369332"/>
+          </a:xfrm>
+          <a:prstGeom prst="rect">
+            <a:avLst/>
+          </a:prstGeom>
+          <a:noFill/>
+        </p:spPr>
+        <p:txBody>
+          <a:bodyPr wrap="square" rtlCol="0">
+            <a:spAutoFit/>
+          </a:bodyPr>
+          <a:lstStyle/>
+          <a:p>
+            <a:pPr algn="ctr"/>
+            <a:r>
+              <a:rPr lang="en-JP" b="1" dirty="0">
+                <a:solidFill>
+                  <a:srgbClr val="FFFF00"/>
+                </a:solidFill>
+                <a:latin typeface="Courier New" panose="02070309020205020404" pitchFamily="49" charset="0"/>
+                <a:cs typeface="Courier New" panose="02070309020205020404" pitchFamily="49" charset="0"/>
+              </a:rPr>
+              <a:t>(-1250,-1250)</a:t>
+            </a:r>
+          </a:p>
+        </p:txBody>
+      </p:sp>
+      <p:sp>
+        <p:nvSpPr>
+          <p:cNvPr id="4" name="TextBox 3">
+            <a:extLst>
+              <a:ext uri="{FF2B5EF4-FFF2-40B4-BE49-F238E27FC236}">
+                <a16:creationId xmlns:a16="http://schemas.microsoft.com/office/drawing/2014/main" id="{8052EAA5-65B5-CBAF-4FAA-5CFDFAAA9DD6}"/>
+              </a:ext>
+            </a:extLst>
+          </p:cNvPr>
+          <p:cNvSpPr txBox="1"/>
+          <p:nvPr/>
+        </p:nvSpPr>
+        <p:spPr>
+          <a:xfrm>
+            <a:off x="8396857" y="1237666"/>
+            <a:ext cx="1959428" cy="369332"/>
+          </a:xfrm>
+          <a:prstGeom prst="rect">
+            <a:avLst/>
+          </a:prstGeom>
+          <a:noFill/>
+        </p:spPr>
+        <p:txBody>
+          <a:bodyPr wrap="square" rtlCol="0">
+            <a:spAutoFit/>
+          </a:bodyPr>
+          <a:lstStyle/>
+          <a:p>
+            <a:pPr algn="ctr"/>
+            <a:r>
+              <a:rPr lang="en-JP" b="1" dirty="0">
+                <a:solidFill>
+                  <a:srgbClr val="FFFF00"/>
+                </a:solidFill>
+                <a:latin typeface="Courier New" panose="02070309020205020404" pitchFamily="49" charset="0"/>
+                <a:cs typeface="Courier New" panose="02070309020205020404" pitchFamily="49" charset="0"/>
+              </a:rPr>
+              <a:t>(1250,1250)</a:t>
+            </a:r>
+          </a:p>
+        </p:txBody>
+      </p:sp>
+      <p:grpSp>
+        <p:nvGrpSpPr>
+          <p:cNvPr id="14" name="Group 13">
+            <a:extLst>
+              <a:ext uri="{FF2B5EF4-FFF2-40B4-BE49-F238E27FC236}">
+                <a16:creationId xmlns:a16="http://schemas.microsoft.com/office/drawing/2014/main" id="{AB0A3F96-2ED0-CA67-140B-256F8034C24C}"/>
+              </a:ext>
+            </a:extLst>
+          </p:cNvPr>
+          <p:cNvGrpSpPr/>
+          <p:nvPr/>
+        </p:nvGrpSpPr>
+        <p:grpSpPr>
+          <a:xfrm>
+            <a:off x="5772000" y="3467858"/>
+            <a:ext cx="648000" cy="648000"/>
+            <a:chOff x="5772000" y="3105000"/>
+            <a:chExt cx="648000" cy="648000"/>
+          </a:xfrm>
+        </p:grpSpPr>
+        <p:cxnSp>
+          <p:nvCxnSpPr>
+            <p:cNvPr id="6" name="Straight Connector 5">
+              <a:extLst>
+                <a:ext uri="{FF2B5EF4-FFF2-40B4-BE49-F238E27FC236}">
+                  <a16:creationId xmlns:a16="http://schemas.microsoft.com/office/drawing/2014/main" id="{31BCE5C4-B3F3-9FE9-CDB8-E26EB97131A7}"/>
+                </a:ext>
+              </a:extLst>
+            </p:cNvPr>
+            <p:cNvCxnSpPr>
+              <a:cxnSpLocks/>
+            </p:cNvCxnSpPr>
+            <p:nvPr/>
+          </p:nvCxnSpPr>
+          <p:spPr>
+            <a:xfrm>
+              <a:off x="6096000" y="3105000"/>
+              <a:ext cx="0" cy="648000"/>
+            </a:xfrm>
+            <a:prstGeom prst="line">
+              <a:avLst/>
+            </a:prstGeom>
+            <a:ln>
+              <a:solidFill>
+                <a:srgbClr val="FFFF00"/>
+              </a:solidFill>
+            </a:ln>
+          </p:spPr>
+          <p:style>
+            <a:lnRef idx="2">
+              <a:schemeClr val="accent1"/>
+            </a:lnRef>
+            <a:fillRef idx="0">
+              <a:schemeClr val="accent1"/>
+            </a:fillRef>
+            <a:effectRef idx="1">
+              <a:schemeClr val="accent1"/>
+            </a:effectRef>
+            <a:fontRef idx="minor">
+              <a:schemeClr val="tx1"/>
+            </a:fontRef>
+          </p:style>
+        </p:cxnSp>
+        <p:cxnSp>
+          <p:nvCxnSpPr>
+            <p:cNvPr id="7" name="Straight Connector 6">
+              <a:extLst>
+                <a:ext uri="{FF2B5EF4-FFF2-40B4-BE49-F238E27FC236}">
+                  <a16:creationId xmlns:a16="http://schemas.microsoft.com/office/drawing/2014/main" id="{DA7C5BAA-20D0-F3A3-9A97-00F66A0E13CF}"/>
+                </a:ext>
+              </a:extLst>
+            </p:cNvPr>
+            <p:cNvCxnSpPr>
+              <a:cxnSpLocks/>
+            </p:cNvCxnSpPr>
+            <p:nvPr/>
+          </p:nvCxnSpPr>
+          <p:spPr>
+            <a:xfrm>
+              <a:off x="5772000" y="3429000"/>
+              <a:ext cx="648000" cy="0"/>
+            </a:xfrm>
+            <a:prstGeom prst="line">
+              <a:avLst/>
+            </a:prstGeom>
+            <a:ln>
+              <a:solidFill>
+                <a:srgbClr val="FFFF00"/>
+              </a:solidFill>
+            </a:ln>
+          </p:spPr>
+          <p:style>
+            <a:lnRef idx="2">
+              <a:schemeClr val="accent1"/>
+            </a:lnRef>
+            <a:fillRef idx="0">
+              <a:schemeClr val="accent1"/>
+            </a:fillRef>
+            <a:effectRef idx="1">
+              <a:schemeClr val="accent1"/>
+            </a:effectRef>
+            <a:fontRef idx="minor">
+              <a:schemeClr val="tx1"/>
+            </a:fontRef>
+          </p:style>
+        </p:cxnSp>
+      </p:grpSp>
+      <p:sp>
+        <p:nvSpPr>
+          <p:cNvPr id="9" name="TextBox 8">
+            <a:extLst>
+              <a:ext uri="{FF2B5EF4-FFF2-40B4-BE49-F238E27FC236}">
+                <a16:creationId xmlns:a16="http://schemas.microsoft.com/office/drawing/2014/main" id="{522384D3-56A8-6863-4341-9D830CC4F2E7}"/>
+              </a:ext>
+            </a:extLst>
+          </p:cNvPr>
+          <p:cNvSpPr txBox="1"/>
+          <p:nvPr/>
+        </p:nvSpPr>
+        <p:spPr>
+          <a:xfrm>
+            <a:off x="5440286" y="3791859"/>
+            <a:ext cx="1959428" cy="369332"/>
+          </a:xfrm>
+          <a:prstGeom prst="rect">
+            <a:avLst/>
+          </a:prstGeom>
+          <a:noFill/>
+        </p:spPr>
+        <p:txBody>
+          <a:bodyPr wrap="square" rtlCol="0">
+            <a:spAutoFit/>
+          </a:bodyPr>
+          <a:lstStyle/>
+          <a:p>
+            <a:pPr algn="ctr"/>
+            <a:r>
+              <a:rPr lang="en-JP" b="1" dirty="0">
+                <a:solidFill>
+                  <a:schemeClr val="bg1">
+                    <a:lumMod val="95000"/>
+                  </a:schemeClr>
+                </a:solidFill>
+                <a:latin typeface="Courier New" panose="02070309020205020404" pitchFamily="49" charset="0"/>
+                <a:cs typeface="Courier New" panose="02070309020205020404" pitchFamily="49" charset="0"/>
+              </a:rPr>
+              <a:t>(0,0)</a:t>
+            </a:r>
+          </a:p>
+        </p:txBody>
+      </p:sp>
+      <p:sp>
+        <p:nvSpPr>
+          <p:cNvPr id="10" name="TextBox 9">
+            <a:extLst>
+              <a:ext uri="{FF2B5EF4-FFF2-40B4-BE49-F238E27FC236}">
+                <a16:creationId xmlns:a16="http://schemas.microsoft.com/office/drawing/2014/main" id="{E34069E2-CB63-74B1-F089-5EB97F052095}"/>
+              </a:ext>
+            </a:extLst>
+          </p:cNvPr>
+          <p:cNvSpPr txBox="1"/>
+          <p:nvPr/>
+        </p:nvSpPr>
+        <p:spPr>
+          <a:xfrm>
+            <a:off x="4115143" y="1912812"/>
+            <a:ext cx="1959428" cy="369332"/>
+          </a:xfrm>
+          <a:prstGeom prst="rect">
+            <a:avLst/>
+          </a:prstGeom>
+          <a:noFill/>
+        </p:spPr>
+        <p:txBody>
+          <a:bodyPr wrap="square" rtlCol="0">
+            <a:spAutoFit/>
+          </a:bodyPr>
+          <a:lstStyle/>
+          <a:p>
+            <a:pPr algn="ctr"/>
+            <a:r>
+              <a:rPr lang="en-US" b="1" dirty="0">
+                <a:solidFill>
+                  <a:schemeClr val="bg1"/>
+                </a:solidFill>
+                <a:latin typeface="Courier New" panose="02070309020205020404" pitchFamily="49" charset="0"/>
+                <a:cs typeface="Courier New" panose="02070309020205020404" pitchFamily="49" charset="0"/>
+              </a:rPr>
+              <a:t>t</a:t>
+            </a:r>
+            <a:r>
+              <a:rPr lang="en-JP" b="1" dirty="0">
+                <a:solidFill>
+                  <a:schemeClr val="bg1"/>
+                </a:solidFill>
+                <a:latin typeface="Courier New" panose="02070309020205020404" pitchFamily="49" charset="0"/>
+                <a:cs typeface="Courier New" panose="02070309020205020404" pitchFamily="49" charset="0"/>
+              </a:rPr>
+              <a:t>op_cell:name</a:t>
+            </a:r>
+          </a:p>
+        </p:txBody>
+      </p:sp>
+      <p:sp>
+        <p:nvSpPr>
+          <p:cNvPr id="11" name="TextBox 10">
+            <a:extLst>
+              <a:ext uri="{FF2B5EF4-FFF2-40B4-BE49-F238E27FC236}">
+                <a16:creationId xmlns:a16="http://schemas.microsoft.com/office/drawing/2014/main" id="{1B43B9CD-23FC-7424-1E6E-9C58D70B4E9B}"/>
+              </a:ext>
+            </a:extLst>
+          </p:cNvPr>
+          <p:cNvSpPr txBox="1"/>
+          <p:nvPr/>
+        </p:nvSpPr>
+        <p:spPr>
+          <a:xfrm>
+            <a:off x="4332857" y="2690335"/>
+            <a:ext cx="3483429" cy="369332"/>
+          </a:xfrm>
+          <a:prstGeom prst="rect">
+            <a:avLst/>
+          </a:prstGeom>
+          <a:noFill/>
+        </p:spPr>
+        <p:txBody>
+          <a:bodyPr wrap="square" rtlCol="0">
+            <a:spAutoFit/>
+          </a:bodyPr>
+          <a:lstStyle/>
+          <a:p>
+            <a:pPr algn="ctr"/>
+            <a:r>
+              <a:rPr lang="en-US" b="1" dirty="0">
+                <a:solidFill>
+                  <a:schemeClr val="bg1">
+                    <a:lumMod val="95000"/>
+                  </a:schemeClr>
+                </a:solidFill>
+                <a:latin typeface="Courier New" panose="02070309020205020404" pitchFamily="49" charset="0"/>
+                <a:cs typeface="Courier New" panose="02070309020205020404" pitchFamily="49" charset="0"/>
+              </a:rPr>
+              <a:t>“OSS_FRAME_TEG” on (0,0)</a:t>
+            </a:r>
+            <a:endParaRPr lang="en-JP" b="1" dirty="0">
+              <a:solidFill>
+                <a:schemeClr val="bg1">
+                  <a:lumMod val="95000"/>
+                </a:schemeClr>
+              </a:solidFill>
+              <a:latin typeface="Courier New" panose="02070309020205020404" pitchFamily="49" charset="0"/>
+              <a:cs typeface="Courier New" panose="02070309020205020404" pitchFamily="49" charset="0"/>
+            </a:endParaRPr>
+          </a:p>
+        </p:txBody>
+      </p:sp>
+    </p:spTree>
+    <p:extLst>
+      <p:ext uri="{BB962C8B-B14F-4D97-AF65-F5344CB8AC3E}">
+        <p14:creationId xmlns:p14="http://schemas.microsoft.com/office/powerpoint/2010/main" val="2237911142"/>
+      </p:ext>
+    </p:extLst>
+  </p:cSld>
+  <p:clrMapOvr>
+    <a:masterClrMapping/>
+  </p:clrMapOvr>
+</p:sld>
+</file>
+
 <file path=ppt/theme/theme1.xml><?xml version="1.0" encoding="utf-8"?>
 <a:theme xmlns:a="http://schemas.openxmlformats.org/drawingml/2006/main" name="Office Theme">
   <a:themeElements>
